--- a/welcome.pptx
+++ b/welcome.pptx
@@ -4292,141 +4292,9 @@
           </a:blipFill>
         </p:spPr>
       </p:sp>
-      <p:grpSp>
-        <p:nvGrpSpPr>
-          <p:cNvPr name="Group 3" id="3"/>
-          <p:cNvGrpSpPr/>
-          <p:nvPr/>
-        </p:nvGrpSpPr>
-        <p:grpSpPr>
-          <a:xfrm rot="0">
-            <a:off x="6528676" y="4048171"/>
-            <a:ext cx="1351650" cy="1351650"/>
-            <a:chOff x="0" y="0"/>
-            <a:chExt cx="6350000" cy="6350000"/>
-          </a:xfrm>
-        </p:grpSpPr>
-        <p:sp>
-          <p:nvSpPr>
-            <p:cNvPr name="Freeform 4" id="4"/>
-            <p:cNvSpPr/>
-            <p:nvPr/>
-          </p:nvSpPr>
-          <p:spPr>
-            <a:xfrm flipH="false" flipV="false" rot="0">
-              <a:off x="0" y="0"/>
-              <a:ext cx="6350000" cy="6350000"/>
-            </a:xfrm>
-            <a:custGeom>
-              <a:avLst/>
-              <a:gdLst/>
-              <a:ahLst/>
-              <a:cxnLst/>
-              <a:rect r="r" b="b" t="t" l="l"/>
-              <a:pathLst>
-                <a:path h="6350000" w="6350000">
-                  <a:moveTo>
-                    <a:pt x="3175000" y="0"/>
-                  </a:moveTo>
-                  <a:cubicBezTo>
-                    <a:pt x="1421496" y="0"/>
-                    <a:pt x="0" y="1421496"/>
-                    <a:pt x="0" y="3175000"/>
-                  </a:cubicBezTo>
-                  <a:cubicBezTo>
-                    <a:pt x="0" y="4928504"/>
-                    <a:pt x="1421496" y="6350000"/>
-                    <a:pt x="3175000" y="6350000"/>
-                  </a:cubicBezTo>
-                  <a:cubicBezTo>
-                    <a:pt x="4928504" y="6350000"/>
-                    <a:pt x="6350000" y="4928504"/>
-                    <a:pt x="6350000" y="3175000"/>
-                  </a:cubicBezTo>
-                  <a:cubicBezTo>
-                    <a:pt x="6350000" y="1421496"/>
-                    <a:pt x="4928504" y="0"/>
-                    <a:pt x="3175000" y="0"/>
-                  </a:cubicBezTo>
-                  <a:close/>
-                </a:path>
-              </a:pathLst>
-            </a:custGeom>
-            <a:solidFill>
-              <a:srgbClr val="2D4273"/>
-            </a:solidFill>
-          </p:spPr>
-        </p:sp>
-      </p:grpSp>
-      <p:grpSp>
-        <p:nvGrpSpPr>
-          <p:cNvPr name="Group 5" id="5"/>
-          <p:cNvGrpSpPr/>
-          <p:nvPr/>
-        </p:nvGrpSpPr>
-        <p:grpSpPr>
-          <a:xfrm rot="0">
-            <a:off x="6538201" y="6864343"/>
-            <a:ext cx="1351650" cy="1351650"/>
-            <a:chOff x="0" y="0"/>
-            <a:chExt cx="6350000" cy="6350000"/>
-          </a:xfrm>
-        </p:grpSpPr>
-        <p:sp>
-          <p:nvSpPr>
-            <p:cNvPr name="Freeform 6" id="6"/>
-            <p:cNvSpPr/>
-            <p:nvPr/>
-          </p:nvSpPr>
-          <p:spPr>
-            <a:xfrm flipH="false" flipV="false" rot="0">
-              <a:off x="0" y="0"/>
-              <a:ext cx="6350000" cy="6350000"/>
-            </a:xfrm>
-            <a:custGeom>
-              <a:avLst/>
-              <a:gdLst/>
-              <a:ahLst/>
-              <a:cxnLst/>
-              <a:rect r="r" b="b" t="t" l="l"/>
-              <a:pathLst>
-                <a:path h="6350000" w="6350000">
-                  <a:moveTo>
-                    <a:pt x="3175000" y="0"/>
-                  </a:moveTo>
-                  <a:cubicBezTo>
-                    <a:pt x="1421496" y="0"/>
-                    <a:pt x="0" y="1421496"/>
-                    <a:pt x="0" y="3175000"/>
-                  </a:cubicBezTo>
-                  <a:cubicBezTo>
-                    <a:pt x="0" y="4928504"/>
-                    <a:pt x="1421496" y="6350000"/>
-                    <a:pt x="3175000" y="6350000"/>
-                  </a:cubicBezTo>
-                  <a:cubicBezTo>
-                    <a:pt x="4928504" y="6350000"/>
-                    <a:pt x="6350000" y="4928504"/>
-                    <a:pt x="6350000" y="3175000"/>
-                  </a:cubicBezTo>
-                  <a:cubicBezTo>
-                    <a:pt x="6350000" y="1421496"/>
-                    <a:pt x="4928504" y="0"/>
-                    <a:pt x="3175000" y="0"/>
-                  </a:cubicBezTo>
-                  <a:close/>
-                </a:path>
-              </a:pathLst>
-            </a:custGeom>
-            <a:solidFill>
-              <a:srgbClr val="2D4273"/>
-            </a:solidFill>
-          </p:spPr>
-        </p:sp>
-      </p:grpSp>
-      <p:sp>
-        <p:nvSpPr>
-          <p:cNvPr name="Freeform 7" id="7"/>
+      <p:sp>
+        <p:nvSpPr>
+          <p:cNvPr name="Freeform 3" id="3"/>
           <p:cNvSpPr/>
           <p:nvPr/>
         </p:nvSpPr>
@@ -4478,7 +4346,7 @@
       </p:sp>
       <p:sp>
         <p:nvSpPr>
-          <p:cNvPr name="Freeform 8" id="8"/>
+          <p:cNvPr name="Freeform 4" id="4"/>
           <p:cNvSpPr/>
           <p:nvPr/>
         </p:nvSpPr>
@@ -4530,7 +4398,7 @@
       </p:sp>
       <p:sp>
         <p:nvSpPr>
-          <p:cNvPr name="TextBox 9" id="9"/>
+          <p:cNvPr name="TextBox 5" id="5"/>
           <p:cNvSpPr txBox="true"/>
           <p:nvPr/>
         </p:nvSpPr>
@@ -4574,14 +4442,14 @@
       </p:sp>
       <p:sp>
         <p:nvSpPr>
-          <p:cNvPr name="TextBox 10" id="10"/>
+          <p:cNvPr name="TextBox 6" id="6"/>
           <p:cNvSpPr txBox="true"/>
           <p:nvPr/>
         </p:nvSpPr>
         <p:spPr>
           <a:xfrm rot="0">
-            <a:off x="8621483" y="4101397"/>
-            <a:ext cx="9205138" cy="1668780"/>
+            <a:off x="6649733" y="3709375"/>
+            <a:ext cx="9829352" cy="2943861"/>
           </a:xfrm>
           <a:prstGeom prst="rect">
             <a:avLst/>
@@ -4595,14 +4463,14 @@
           <a:p>
             <a:pPr algn="l" marL="0" indent="0" lvl="0">
               <a:lnSpc>
-                <a:spcPts val="6719"/>
+                <a:spcPts val="7839"/>
               </a:lnSpc>
               <a:spcBef>
                 <a:spcPct val="0"/>
               </a:spcBef>
             </a:pPr>
             <a:r>
-              <a:rPr lang="en-US" sz="4800">
+              <a:rPr lang="en-US" sz="5599">
                 <a:solidFill>
                   <a:srgbClr val="FFFFF0"/>
                 </a:solidFill>
@@ -4611,140 +4479,14 @@
                 <a:cs typeface="Now"/>
                 <a:sym typeface="Now"/>
               </a:rPr>
-              <a:t>了解目前主流幣種的基本介紹和其相關連結</a:t>
-            </a:r>
-          </a:p>
-        </p:txBody>
-      </p:sp>
-      <p:sp>
-        <p:nvSpPr>
-          <p:cNvPr name="TextBox 11" id="11"/>
-          <p:cNvSpPr txBox="true"/>
-          <p:nvPr/>
-        </p:nvSpPr>
-        <p:spPr>
-          <a:xfrm rot="0">
-            <a:off x="8621483" y="7213910"/>
-            <a:ext cx="9205138" cy="821055"/>
-          </a:xfrm>
-          <a:prstGeom prst="rect">
-            <a:avLst/>
-          </a:prstGeom>
-        </p:spPr>
-        <p:txBody>
-          <a:bodyPr anchor="t" rtlCol="false" tIns="0" lIns="0" bIns="0" rIns="0">
-            <a:spAutoFit/>
-          </a:bodyPr>
-          <a:lstStyle/>
-          <a:p>
-            <a:pPr algn="l" marL="0" indent="0" lvl="0">
-              <a:lnSpc>
-                <a:spcPts val="6719"/>
-              </a:lnSpc>
-              <a:spcBef>
-                <a:spcPct val="0"/>
-              </a:spcBef>
-            </a:pPr>
-            <a:r>
-              <a:rPr lang="en-US" sz="4800">
-                <a:solidFill>
-                  <a:srgbClr val="FFFFF0"/>
-                </a:solidFill>
-                <a:latin typeface="Now"/>
-                <a:ea typeface="Now"/>
-                <a:cs typeface="Now"/>
-                <a:sym typeface="Now"/>
-              </a:rPr>
-              <a:t>Notcoin的誕生</a:t>
-            </a:r>
-          </a:p>
-        </p:txBody>
-      </p:sp>
-      <p:sp>
-        <p:nvSpPr>
-          <p:cNvPr name="TextBox 12" id="12"/>
-          <p:cNvSpPr txBox="true"/>
-          <p:nvPr/>
-        </p:nvSpPr>
-        <p:spPr>
-          <a:xfrm rot="0">
-            <a:off x="6519151" y="4203325"/>
-            <a:ext cx="1351650" cy="1069018"/>
-          </a:xfrm>
-          <a:prstGeom prst="rect">
-            <a:avLst/>
-          </a:prstGeom>
-        </p:spPr>
-        <p:txBody>
-          <a:bodyPr anchor="t" rtlCol="false" tIns="0" lIns="0" bIns="0" rIns="0">
-            <a:spAutoFit/>
-          </a:bodyPr>
-          <a:lstStyle/>
-          <a:p>
-            <a:pPr algn="ctr">
-              <a:lnSpc>
-                <a:spcPts val="8059"/>
-              </a:lnSpc>
-            </a:pPr>
-            <a:r>
-              <a:rPr lang="en-US" sz="7327">
-                <a:solidFill>
-                  <a:srgbClr val="FFFFF0"/>
-                </a:solidFill>
-                <a:latin typeface="Bobby Jones Soft"/>
-                <a:ea typeface="Bobby Jones Soft"/>
-                <a:cs typeface="Bobby Jones Soft"/>
-                <a:sym typeface="Bobby Jones Soft"/>
-              </a:rPr>
-              <a:t>1</a:t>
-            </a:r>
-          </a:p>
-        </p:txBody>
-      </p:sp>
-      <p:sp>
-        <p:nvSpPr>
-          <p:cNvPr name="TextBox 13" id="13"/>
-          <p:cNvSpPr txBox="true"/>
-          <p:nvPr/>
-        </p:nvSpPr>
-        <p:spPr>
-          <a:xfrm rot="0">
-            <a:off x="6528676" y="7019496"/>
-            <a:ext cx="1351650" cy="1069018"/>
-          </a:xfrm>
-          <a:prstGeom prst="rect">
-            <a:avLst/>
-          </a:prstGeom>
-        </p:spPr>
-        <p:txBody>
-          <a:bodyPr anchor="t" rtlCol="false" tIns="0" lIns="0" bIns="0" rIns="0">
-            <a:spAutoFit/>
-          </a:bodyPr>
-          <a:lstStyle/>
-          <a:p>
-            <a:pPr algn="ctr">
-              <a:lnSpc>
-                <a:spcPts val="8059"/>
-              </a:lnSpc>
-            </a:pPr>
-            <a:r>
-              <a:rPr lang="en-US" sz="7327">
-                <a:solidFill>
-                  <a:srgbClr val="FFFFF0"/>
-                </a:solidFill>
-                <a:latin typeface="Bobby Jones Soft"/>
-                <a:ea typeface="Bobby Jones Soft"/>
-                <a:cs typeface="Bobby Jones Soft"/>
-                <a:sym typeface="Bobby Jones Soft"/>
-              </a:rPr>
-              <a:t>2</a:t>
-            </a:r>
-          </a:p>
-        </p:txBody>
-      </p:sp>
-      <p:sp>
-        <p:nvSpPr>
-          <p:cNvPr name="Freeform 14" id="14"/>
+              <a:t>了解目前主流加密貨幣的基本介紹和其相關連結，點擊圖片即可跳到相關介紹。</a:t>
+            </a:r>
+          </a:p>
+        </p:txBody>
+      </p:sp>
+      <p:sp>
+        <p:nvSpPr>
+          <p:cNvPr name="Freeform 7" id="7"/>
           <p:cNvSpPr/>
           <p:nvPr/>
         </p:nvSpPr>
@@ -4796,7 +4538,7 @@
       </p:sp>
       <p:sp>
         <p:nvSpPr>
-          <p:cNvPr name="Freeform 15" id="15"/>
+          <p:cNvPr name="Freeform 8" id="8"/>
           <p:cNvSpPr/>
           <p:nvPr/>
         </p:nvSpPr>
@@ -4848,7 +4590,7 @@
       </p:sp>
       <p:sp>
         <p:nvSpPr>
-          <p:cNvPr name="Freeform 16" id="16"/>
+          <p:cNvPr name="Freeform 9" id="9"/>
           <p:cNvSpPr/>
           <p:nvPr/>
         </p:nvSpPr>
@@ -4990,8 +4732,8 @@
         </p:nvSpPr>
         <p:spPr>
           <a:xfrm rot="0">
-            <a:off x="2142008" y="3983950"/>
-            <a:ext cx="8456576" cy="2235454"/>
+            <a:off x="2142008" y="3916323"/>
+            <a:ext cx="8456576" cy="2370709"/>
           </a:xfrm>
           <a:prstGeom prst="rect">
             <a:avLst/>
@@ -5005,14 +4747,14 @@
           <a:p>
             <a:pPr algn="l" marL="0" indent="0" lvl="0">
               <a:lnSpc>
-                <a:spcPts val="5935"/>
+                <a:spcPts val="6355"/>
               </a:lnSpc>
               <a:spcBef>
                 <a:spcPct val="0"/>
               </a:spcBef>
             </a:pPr>
             <a:r>
-              <a:rPr lang="en-US" sz="4239">
+              <a:rPr lang="en-US" sz="4539">
                 <a:solidFill>
                   <a:srgbClr val="02183D"/>
                 </a:solidFill>
@@ -5492,7 +5234,7 @@
                 <a:cs typeface="Quicksand Medium"/>
                 <a:sym typeface="Quicksand Medium"/>
               </a:rPr>
-              <a:t>想到的功能做不出來：詢問ChatGPT參考語法，再用自己看得懂的方式寫出來</a:t>
+              <a:t>想到的功能做不出來：詢問ChatGPT參考語法，再用自己看得懂的程式寫出來</a:t>
             </a:r>
           </a:p>
         </p:txBody>
@@ -6939,7 +6681,7 @@
         </p:nvSpPr>
         <p:spPr>
           <a:xfrm rot="0">
-            <a:off x="9570239" y="5819936"/>
+            <a:off x="9570239" y="6062314"/>
             <a:ext cx="8167457" cy="1181100"/>
           </a:xfrm>
           <a:prstGeom prst="rect">
@@ -6969,7 +6711,7 @@
                 <a:ea typeface="Bobby Jones Soft"/>
                 <a:cs typeface="Bobby Jones Soft"/>
                 <a:sym typeface="Bobby Jones Soft"/>
-                <a:hlinkClick r:id="rId10" tooltip="https://zehoward.github.io/project1/"/>
+                <a:hlinkClick r:id="rId10" tooltip="https://zehoward.github.io/project/"/>
               </a:rPr>
               <a:t>“CLICK”</a:t>
             </a:r>
